--- a/Школа_JD_Защита_проекта Hotel.2024.pptx
+++ b/Школа_JD_Защита_проекта Hotel.2024.pptx
@@ -2739,18 +2739,9 @@
                 </a:solidFill>
                 <a:latin typeface="+mj-lt"/>
               </a:rPr>
-              <a:t>Зайцев </a:t>
-            </a:r>
-            <a:r>
-              <a:rPr lang="ru-RU" dirty="0" smtClean="0">
-                <a:solidFill>
-                  <a:schemeClr val="tx1"/>
-                </a:solidFill>
-                <a:latin typeface="+mj-lt"/>
-              </a:rPr>
-              <a:t>Денис</a:t>
-            </a:r>
-            <a:endParaRPr lang="en-US" dirty="0" smtClean="0">
+              <a:t>Зайцев Денис</a:t>
+            </a:r>
+            <a:endParaRPr lang="en-US" dirty="0">
               <a:solidFill>
                 <a:schemeClr val="tx1"/>
               </a:solidFill>
@@ -2759,7 +2750,7 @@
           </a:p>
           <a:p>
             <a:r>
-              <a:rPr lang="ru-RU" dirty="0" smtClean="0">
+              <a:rPr lang="ru-RU" dirty="0">
                 <a:solidFill>
                   <a:schemeClr val="tx1"/>
                 </a:solidFill>
@@ -2767,7 +2758,7 @@
               </a:rPr>
               <a:t>Паршин Алексей</a:t>
             </a:r>
-            <a:endParaRPr lang="en-US" dirty="0" smtClean="0">
+            <a:endParaRPr lang="en-US" dirty="0">
               <a:solidFill>
                 <a:schemeClr val="tx1"/>
               </a:solidFill>
@@ -2791,18 +2782,9 @@
                 </a:solidFill>
                 <a:latin typeface="+mj-lt"/>
               </a:rPr>
-              <a:t> </a:t>
-            </a:r>
-            <a:r>
-              <a:rPr lang="ru-RU" dirty="0" smtClean="0">
-                <a:solidFill>
-                  <a:schemeClr val="tx1"/>
-                </a:solidFill>
-                <a:latin typeface="+mj-lt"/>
-              </a:rPr>
-              <a:t>Иван</a:t>
-            </a:r>
-            <a:endParaRPr lang="en-US" dirty="0" smtClean="0">
+              <a:t> Иван</a:t>
+            </a:r>
+            <a:endParaRPr lang="en-US" dirty="0">
               <a:solidFill>
                 <a:schemeClr val="tx1"/>
               </a:solidFill>
@@ -2819,12 +2801,6 @@
               </a:rPr>
               <a:t>Калинин Валентин</a:t>
             </a:r>
-            <a:endParaRPr lang="ru-RU" dirty="0">
-              <a:solidFill>
-                <a:schemeClr val="tx1"/>
-              </a:solidFill>
-              <a:latin typeface="+mj-lt"/>
-            </a:endParaRPr>
           </a:p>
         </p:txBody>
       </p:sp>
@@ -3139,12 +3115,14 @@
         </p:nvSpPr>
         <p:spPr>
           <a:xfrm>
-            <a:off x="6260123" y="3847856"/>
-            <a:ext cx="5228492" cy="1867144"/>
+            <a:off x="6260122" y="3847856"/>
+            <a:ext cx="5931877" cy="1867144"/>
           </a:xfrm>
         </p:spPr>
         <p:txBody>
-          <a:bodyPr/>
+          <a:bodyPr>
+            <a:normAutofit/>
+          </a:bodyPr>
           <a:lstStyle/>
           <a:p>
             <a:r>
@@ -3154,7 +3132,7 @@
           </a:p>
           <a:p>
             <a:r>
-              <a:rPr lang="ru-RU" i="1" dirty="0" smtClean="0">
+              <a:rPr lang="ru-RU" i="1" dirty="0">
                 <a:solidFill>
                   <a:schemeClr val="tx1">
                     <a:lumMod val="65000"/>
@@ -3162,20 +3140,10 @@
                   </a:schemeClr>
                 </a:solidFill>
               </a:rPr>
-              <a:t>Образование</a:t>
-            </a:r>
-            <a:endParaRPr lang="ru-RU" i="1" dirty="0">
-              <a:solidFill>
-                <a:schemeClr val="tx1">
-                  <a:lumMod val="65000"/>
-                  <a:lumOff val="35000"/>
-                </a:schemeClr>
-              </a:solidFill>
-            </a:endParaRPr>
-          </a:p>
-          <a:p>
-            <a:r>
-              <a:rPr lang="ru-RU" i="1" dirty="0">
+              <a:t>Высшее </a:t>
+            </a:r>
+            <a:r>
+              <a:rPr lang="ru-RU" sz="2000" i="1" dirty="0">
                 <a:solidFill>
                   <a:schemeClr val="tx1">
                     <a:lumMod val="65000"/>
@@ -3183,7 +3151,82 @@
                   </a:schemeClr>
                 </a:solidFill>
               </a:rPr>
-              <a:t>Контакты </a:t>
+              <a:t>(</a:t>
+            </a:r>
+            <a:r>
+              <a:rPr lang="ru-RU" sz="2000" i="1" dirty="0">
+                <a:solidFill>
+                  <a:schemeClr val="tx1">
+                    <a:lumMod val="65000"/>
+                    <a:lumOff val="35000"/>
+                  </a:schemeClr>
+                </a:solidFill>
+                <a:hlinkClick r:id="rId2">
+                  <a:extLst>
+                    <a:ext uri="{A12FA001-AC4F-418D-AE19-62706E023703}">
+                      <ahyp:hlinkClr xmlns:ahyp="http://schemas.microsoft.com/office/drawing/2018/hyperlinkcolor" val="tx"/>
+                    </a:ext>
+                  </a:extLst>
+                </a:hlinkClick>
+              </a:rPr>
+              <a:t>21.04.01 Нефтегазовое дело</a:t>
+            </a:r>
+            <a:r>
+              <a:rPr lang="ru-RU" sz="2000" i="1" dirty="0">
+                <a:solidFill>
+                  <a:schemeClr val="tx1">
+                    <a:lumMod val="65000"/>
+                    <a:lumOff val="35000"/>
+                  </a:schemeClr>
+                </a:solidFill>
+              </a:rPr>
+              <a:t>)</a:t>
+            </a:r>
+          </a:p>
+          <a:p>
+            <a:r>
+              <a:rPr lang="ru-RU" i="1" dirty="0">
+                <a:solidFill>
+                  <a:schemeClr val="tx1">
+                    <a:lumMod val="65000"/>
+                    <a:lumOff val="35000"/>
+                  </a:schemeClr>
+                </a:solidFill>
+              </a:rPr>
+              <a:t>8-903-1586263 </a:t>
+            </a:r>
+            <a:r>
+              <a:rPr lang="ru-RU" sz="2000" i="1" dirty="0">
+                <a:solidFill>
+                  <a:schemeClr val="tx1">
+                    <a:lumMod val="65000"/>
+                    <a:lumOff val="35000"/>
+                  </a:schemeClr>
+                </a:solidFill>
+              </a:rPr>
+              <a:t>(</a:t>
+            </a:r>
+            <a:r>
+              <a:rPr lang="en-US" sz="2000" i="1" dirty="0">
+                <a:solidFill>
+                  <a:schemeClr val="tx1">
+                    <a:lumMod val="65000"/>
+                    <a:lumOff val="35000"/>
+                  </a:schemeClr>
+                </a:solidFill>
+              </a:rPr>
+              <a:t>kalinin1997@bk.ru</a:t>
+            </a:r>
+            <a:r>
+              <a:rPr lang="ru-RU" sz="2000" i="1" dirty="0">
+                <a:solidFill>
+                  <a:schemeClr val="tx1">
+                    <a:lumMod val="65000"/>
+                    <a:lumOff val="35000"/>
+                  </a:schemeClr>
+                </a:solidFill>
+              </a:rPr>
+              <a:t>) </a:t>
             </a:r>
           </a:p>
           <a:p>
@@ -3202,7 +3245,7 @@
         <p:spPr>
           <a:xfrm>
             <a:off x="6260123" y="1825625"/>
-            <a:ext cx="5093677" cy="1867144"/>
+            <a:ext cx="5931877" cy="1867144"/>
           </a:xfrm>
           <a:prstGeom prst="rect">
             <a:avLst/>
@@ -3384,7 +3427,7 @@
           </a:p>
           <a:p>
             <a:r>
-              <a:rPr lang="ru-RU" i="1" dirty="0" smtClean="0">
+              <a:rPr lang="ru-RU" i="1" dirty="0">
                 <a:solidFill>
                   <a:schemeClr val="tx1">
                     <a:lumMod val="65000"/>
@@ -3397,7 +3440,7 @@
           </a:p>
           <a:p>
             <a:r>
-              <a:rPr lang="ru-RU" i="1" dirty="0" smtClean="0">
+              <a:rPr lang="ru-RU" i="1" dirty="0">
                 <a:solidFill>
                   <a:schemeClr val="tx1">
                     <a:lumMod val="65000"/>
@@ -3600,14 +3643,14 @@
           </a:lstStyle>
           <a:p>
             <a:r>
-              <a:rPr lang="ru-RU" sz="3200" dirty="0" smtClean="0"/>
+              <a:rPr lang="ru-RU" sz="3200" dirty="0"/>
               <a:t>Зайцев Денис </a:t>
             </a:r>
-            <a:endParaRPr lang="en-US" sz="3200" dirty="0" smtClean="0"/>
-          </a:p>
-          <a:p>
-            <a:r>
-              <a:rPr lang="ru-RU" i="1" dirty="0" smtClean="0">
+            <a:endParaRPr lang="en-US" sz="3200" dirty="0"/>
+          </a:p>
+          <a:p>
+            <a:r>
+              <a:rPr lang="ru-RU" i="1" dirty="0">
                 <a:solidFill>
                   <a:schemeClr val="tx1">
                     <a:lumMod val="65000"/>
@@ -3620,7 +3663,7 @@
           </a:p>
           <a:p>
             <a:r>
-              <a:rPr lang="ru-RU" i="1" dirty="0" smtClean="0">
+              <a:rPr lang="ru-RU" i="1" dirty="0">
                 <a:solidFill>
                   <a:schemeClr val="tx1">
                     <a:lumMod val="65000"/>
@@ -3833,7 +3876,7 @@
           </a:p>
           <a:p>
             <a:r>
-              <a:rPr lang="ru-RU" i="1" dirty="0" smtClean="0">
+              <a:rPr lang="ru-RU" i="1" dirty="0">
                 <a:solidFill>
                   <a:schemeClr val="tx1">
                     <a:lumMod val="65000"/>
@@ -3846,7 +3889,7 @@
           </a:p>
           <a:p>
             <a:r>
-              <a:rPr lang="ru-RU" i="1" dirty="0" smtClean="0">
+              <a:rPr lang="ru-RU" i="1" dirty="0">
                 <a:solidFill>
                   <a:schemeClr val="tx1">
                     <a:lumMod val="65000"/>
@@ -3949,44 +3992,12 @@
             <a:pPr fontAlgn="base"/>
             <a:r>
               <a:rPr lang="ru-RU" dirty="0"/>
-              <a:t>Наша система управления отелем предлагает удобную в использовании интерактивную платформу для эффективного управления различными операциями отеля, такими как бронирование номеров, регистрация заезда / отъезда гостей и наличие свободных </a:t>
-            </a:r>
-            <a:r>
-              <a:rPr lang="ru-RU" dirty="0" smtClean="0"/>
-              <a:t>номеров, а так же возможность оставить отзыв о проживании. </a:t>
-            </a:r>
-            <a:r>
-              <a:rPr lang="ru-RU" dirty="0"/>
-              <a:t>Благодаря интуитивно понятному интерфейсу и надежной </a:t>
-            </a:r>
-            <a:r>
-              <a:rPr lang="ru-RU" dirty="0" smtClean="0"/>
-              <a:t>функциональности, </a:t>
-            </a:r>
-            <a:r>
-              <a:rPr lang="ru-RU" dirty="0"/>
-              <a:t>эта система служит мощным инструментом как </a:t>
-            </a:r>
-            <a:r>
-              <a:rPr lang="ru-RU" dirty="0" smtClean="0"/>
-              <a:t>для </a:t>
-            </a:r>
-            <a:r>
-              <a:rPr lang="ru-RU" dirty="0"/>
-              <a:t>персонала</a:t>
-            </a:r>
-            <a:r>
-              <a:rPr lang="ru-RU" dirty="0" smtClean="0"/>
-              <a:t> отеля, так и для их гостей</a:t>
-            </a:r>
-            <a:r>
-              <a:rPr lang="ru-RU" dirty="0"/>
-              <a:t>.</a:t>
-            </a:r>
-          </a:p>
-          <a:p>
-            <a:r>
-              <a:rPr lang="en-US" i="1" dirty="0" smtClean="0">
+              <a:t>Наша система управления отелем предлагает удобную в использовании интерактивную платформу для эффективного управления различными операциями отеля, такими как бронирование номеров, регистрация заезда / отъезда гостей и наличие свободных номеров, а так же возможность оставить отзыв о проживании. Благодаря интуитивно понятному интерфейсу и надежной функциональности, эта система служит мощным инструментом как для персонала отеля, так и для их гостей.</a:t>
+            </a:r>
+          </a:p>
+          <a:p>
+            <a:r>
+              <a:rPr lang="en-US" i="1" dirty="0">
                 <a:solidFill>
                   <a:schemeClr val="tx1">
                     <a:lumMod val="65000"/>
@@ -3995,84 +4006,19 @@
                 </a:solidFill>
                 <a:hlinkClick r:id="rId2"/>
               </a:rPr>
-              <a:t>https</a:t>
-            </a:r>
-            <a:r>
-              <a:rPr lang="en-US" i="1" dirty="0">
+              <a:t>https://github.com/CvitoyBamp/reboot-hotel.git</a:t>
+            </a:r>
+            <a:r>
+              <a:rPr lang="ru-RU" i="1" dirty="0">
                 <a:solidFill>
                   <a:schemeClr val="tx1">
                     <a:lumMod val="65000"/>
                     <a:lumOff val="35000"/>
                   </a:schemeClr>
                 </a:solidFill>
-                <a:hlinkClick r:id="rId2"/>
               </a:rPr>
-              <a:t>://</a:t>
-            </a:r>
-            <a:r>
-              <a:rPr lang="en-US" i="1" dirty="0" smtClean="0">
-                <a:solidFill>
-                  <a:schemeClr val="tx1">
-                    <a:lumMod val="65000"/>
-                    <a:lumOff val="35000"/>
-                  </a:schemeClr>
-                </a:solidFill>
-                <a:hlinkClick r:id="rId2"/>
-              </a:rPr>
-              <a:t>github.com/CvitoyBamp/reboot-hotel.git</a:t>
-            </a:r>
-            <a:r>
-              <a:rPr lang="ru-RU" i="1" dirty="0" smtClean="0">
-                <a:solidFill>
-                  <a:schemeClr val="tx1">
-                    <a:lumMod val="65000"/>
-                    <a:lumOff val="35000"/>
-                  </a:schemeClr>
-                </a:solidFill>
-              </a:rPr>
-              <a:t> </a:t>
-            </a:r>
-            <a:r>
-              <a:rPr lang="ru-RU" i="1" dirty="0" smtClean="0">
-                <a:solidFill>
-                  <a:schemeClr val="tx1">
-                    <a:lumMod val="65000"/>
-                    <a:lumOff val="35000"/>
-                  </a:schemeClr>
-                </a:solidFill>
-              </a:rPr>
-              <a:t>- ссылка </a:t>
-            </a:r>
-            <a:r>
-              <a:rPr lang="ru-RU" i="1" dirty="0">
-                <a:solidFill>
-                  <a:schemeClr val="tx1">
-                    <a:lumMod val="65000"/>
-                    <a:lumOff val="35000"/>
-                  </a:schemeClr>
-                </a:solidFill>
-              </a:rPr>
-              <a:t>на репозиторий с </a:t>
-            </a:r>
-            <a:r>
-              <a:rPr lang="ru-RU" i="1" dirty="0" smtClean="0">
-                <a:solidFill>
-                  <a:schemeClr val="tx1">
-                    <a:lumMod val="65000"/>
-                    <a:lumOff val="35000"/>
-                  </a:schemeClr>
-                </a:solidFill>
-              </a:rPr>
-              <a:t>кодом.</a:t>
-            </a:r>
-            <a:endParaRPr lang="ru-RU" i="1" dirty="0">
-              <a:solidFill>
-                <a:schemeClr val="tx1">
-                  <a:lumMod val="65000"/>
-                  <a:lumOff val="35000"/>
-                </a:schemeClr>
-              </a:solidFill>
-            </a:endParaRPr>
+              <a:t> - ссылка на репозиторий с кодом.</a:t>
+            </a:r>
           </a:p>
           <a:p>
             <a:pPr marL="0" indent="0">
@@ -4238,6 +4184,9 @@
           </a:bodyPr>
           <a:lstStyle/>
           <a:p>
+            <a:pPr marL="0" indent="0">
+              <a:buNone/>
+            </a:pPr>
             <a:r>
               <a:rPr lang="ru-RU" i="1" dirty="0">
                 <a:solidFill>
@@ -4249,6 +4198,100 @@
               </a:rPr>
               <a:t>Перечислите используемые технологии</a:t>
             </a:r>
+            <a:r>
+              <a:rPr lang="en-US" i="1" dirty="0">
+                <a:solidFill>
+                  <a:schemeClr val="tx1">
+                    <a:lumMod val="65000"/>
+                    <a:lumOff val="35000"/>
+                  </a:schemeClr>
+                </a:solidFill>
+              </a:rPr>
+              <a:t>:</a:t>
+            </a:r>
+          </a:p>
+          <a:p>
+            <a:r>
+              <a:rPr lang="en-US" i="1" dirty="0" err="1">
+                <a:solidFill>
+                  <a:schemeClr val="tx1">
+                    <a:lumMod val="65000"/>
+                    <a:lumOff val="35000"/>
+                  </a:schemeClr>
+                </a:solidFill>
+              </a:rPr>
+              <a:t>Springboot</a:t>
+            </a:r>
+            <a:endParaRPr lang="en-US" i="1" dirty="0">
+              <a:solidFill>
+                <a:schemeClr val="tx1">
+                  <a:lumMod val="65000"/>
+                  <a:lumOff val="35000"/>
+                </a:schemeClr>
+              </a:solidFill>
+            </a:endParaRPr>
+          </a:p>
+          <a:p>
+            <a:r>
+              <a:rPr lang="en-US" i="1" dirty="0">
+                <a:solidFill>
+                  <a:schemeClr val="tx1">
+                    <a:lumMod val="65000"/>
+                    <a:lumOff val="35000"/>
+                  </a:schemeClr>
+                </a:solidFill>
+              </a:rPr>
+              <a:t>Spring MVC</a:t>
+            </a:r>
+          </a:p>
+          <a:p>
+            <a:r>
+              <a:rPr lang="en-US" i="1" dirty="0">
+                <a:solidFill>
+                  <a:schemeClr val="tx1">
+                    <a:lumMod val="65000"/>
+                    <a:lumOff val="35000"/>
+                  </a:schemeClr>
+                </a:solidFill>
+              </a:rPr>
+              <a:t>Spring Security</a:t>
+            </a:r>
+          </a:p>
+          <a:p>
+            <a:r>
+              <a:rPr lang="en-US" i="1" dirty="0">
+                <a:solidFill>
+                  <a:schemeClr val="tx1">
+                    <a:lumMod val="65000"/>
+                    <a:lumOff val="35000"/>
+                  </a:schemeClr>
+                </a:solidFill>
+              </a:rPr>
+              <a:t>Spring Data JPA (+auditing)</a:t>
+            </a:r>
+          </a:p>
+          <a:p>
+            <a:r>
+              <a:rPr lang="en-US" i="1" dirty="0">
+                <a:solidFill>
+                  <a:schemeClr val="tx1">
+                    <a:lumMod val="65000"/>
+                    <a:lumOff val="35000"/>
+                  </a:schemeClr>
+                </a:solidFill>
+              </a:rPr>
+              <a:t>Spring Cache</a:t>
+            </a:r>
+          </a:p>
+          <a:p>
+            <a:endParaRPr lang="ru-RU" i="1" dirty="0">
+              <a:solidFill>
+                <a:schemeClr val="tx1">
+                  <a:lumMod val="65000"/>
+                  <a:lumOff val="35000"/>
+                </a:schemeClr>
+              </a:solidFill>
+            </a:endParaRPr>
           </a:p>
         </p:txBody>
       </p:sp>

--- a/Школа_JD_Защита_проекта Hotel.2024.pptx
+++ b/Школа_JD_Защита_проекта Hotel.2024.pptx
@@ -3142,8 +3142,18 @@
               </a:rPr>
               <a:t>Высшее </a:t>
             </a:r>
-            <a:r>
-              <a:rPr lang="ru-RU" sz="2000" i="1" dirty="0">
+            <a:endParaRPr lang="ru-RU" sz="2000" i="1" dirty="0">
+              <a:solidFill>
+                <a:schemeClr val="tx1">
+                  <a:lumMod val="65000"/>
+                  <a:lumOff val="35000"/>
+                </a:schemeClr>
+              </a:solidFill>
+            </a:endParaRPr>
+          </a:p>
+          <a:p>
+            <a:r>
+              <a:rPr lang="ru-RU" i="1" dirty="0">
                 <a:solidFill>
                   <a:schemeClr val="tx1">
                     <a:lumMod val="65000"/>
@@ -3151,49 +3161,7 @@
                   </a:schemeClr>
                 </a:solidFill>
               </a:rPr>
-              <a:t>(</a:t>
-            </a:r>
-            <a:r>
-              <a:rPr lang="ru-RU" sz="2000" i="1" dirty="0">
-                <a:solidFill>
-                  <a:schemeClr val="tx1">
-                    <a:lumMod val="65000"/>
-                    <a:lumOff val="35000"/>
-                  </a:schemeClr>
-                </a:solidFill>
-                <a:hlinkClick r:id="rId2">
-                  <a:extLst>
-                    <a:ext uri="{A12FA001-AC4F-418D-AE19-62706E023703}">
-                      <ahyp:hlinkClr xmlns:ahyp="http://schemas.microsoft.com/office/drawing/2018/hyperlinkcolor" val="tx"/>
-                    </a:ext>
-                  </a:extLst>
-                </a:hlinkClick>
-              </a:rPr>
-              <a:t>21.04.01 Нефтегазовое дело</a:t>
-            </a:r>
-            <a:r>
-              <a:rPr lang="ru-RU" sz="2000" i="1" dirty="0">
-                <a:solidFill>
-                  <a:schemeClr val="tx1">
-                    <a:lumMod val="65000"/>
-                    <a:lumOff val="35000"/>
-                  </a:schemeClr>
-                </a:solidFill>
-              </a:rPr>
-              <a:t>)</a:t>
-            </a:r>
-          </a:p>
-          <a:p>
-            <a:r>
-              <a:rPr lang="ru-RU" i="1" dirty="0">
-                <a:solidFill>
-                  <a:schemeClr val="tx1">
-                    <a:lumMod val="65000"/>
-                    <a:lumOff val="35000"/>
-                  </a:schemeClr>
-                </a:solidFill>
-              </a:rPr>
-              <a:t>8-903-1586263 </a:t>
+              <a:t>8-903-158-62-63 </a:t>
             </a:r>
             <a:r>
               <a:rPr lang="ru-RU" sz="2000" i="1" dirty="0">
@@ -3435,7 +3403,7 @@
                   </a:schemeClr>
                 </a:solidFill>
               </a:rPr>
-              <a:t>Образование</a:t>
+              <a:t>Высшее</a:t>
             </a:r>
           </a:p>
           <a:p>
@@ -3448,7 +3416,7 @@
                   </a:schemeClr>
                 </a:solidFill>
               </a:rPr>
-              <a:t>Контакты </a:t>
+              <a:t>8-960-309-42-71 </a:t>
             </a:r>
           </a:p>
           <a:p>
@@ -3466,7 +3434,7 @@
         </p:nvSpPr>
         <p:spPr>
           <a:xfrm>
-            <a:off x="990600" y="1978025"/>
+            <a:off x="1031630" y="1903169"/>
             <a:ext cx="5228492" cy="1867144"/>
           </a:xfrm>
           <a:prstGeom prst="rect">
@@ -3658,12 +3626,12 @@
                   </a:schemeClr>
                 </a:solidFill>
               </a:rPr>
-              <a:t>Образование</a:t>
-            </a:r>
-          </a:p>
-          <a:p>
-            <a:r>
-              <a:rPr lang="ru-RU" i="1" dirty="0">
+              <a:t>Высшее</a:t>
+            </a:r>
+          </a:p>
+          <a:p>
+            <a:r>
+              <a:rPr lang="en-US" i="1" dirty="0">
                 <a:solidFill>
                   <a:schemeClr val="tx1">
                     <a:lumMod val="65000"/>
@@ -3671,7 +3639,18 @@
                   </a:schemeClr>
                 </a:solidFill>
               </a:rPr>
-              <a:t>Контакты </a:t>
+              <a:t>8-911-986-90-79</a:t>
+            </a:r>
+            <a:r>
+              <a:rPr lang="ru-RU" i="1" dirty="0">
+                <a:solidFill>
+                  <a:schemeClr val="tx1">
+                    <a:lumMod val="65000"/>
+                    <a:lumOff val="35000"/>
+                  </a:schemeClr>
+                </a:solidFill>
+              </a:rPr>
+              <a:t> </a:t>
             </a:r>
           </a:p>
           <a:p>
@@ -4090,7 +4069,12 @@
             <p:ph idx="1"/>
           </p:nvPr>
         </p:nvSpPr>
-        <p:spPr/>
+        <p:spPr>
+          <a:xfrm>
+            <a:off x="838200" y="1456267"/>
+            <a:ext cx="10515600" cy="4720696"/>
+          </a:xfrm>
+        </p:spPr>
         <p:txBody>
           <a:bodyPr/>
           <a:lstStyle/>
@@ -4106,6 +4090,34 @@
               </a:rPr>
               <a:t>Опишите систему созданных сервисов</a:t>
             </a:r>
+            <a:endParaRPr lang="en-US" i="1" dirty="0">
+              <a:solidFill>
+                <a:schemeClr val="tx1">
+                  <a:lumMod val="65000"/>
+                  <a:lumOff val="35000"/>
+                </a:schemeClr>
+              </a:solidFill>
+            </a:endParaRPr>
+          </a:p>
+          <a:p>
+            <a:endParaRPr lang="en-US" i="1" dirty="0">
+              <a:solidFill>
+                <a:schemeClr val="tx1">
+                  <a:lumMod val="65000"/>
+                  <a:lumOff val="35000"/>
+                </a:schemeClr>
+              </a:solidFill>
+            </a:endParaRPr>
+          </a:p>
+          <a:p>
+            <a:endParaRPr lang="ru-RU" i="1" dirty="0">
+              <a:solidFill>
+                <a:schemeClr val="tx1">
+                  <a:lumMod val="65000"/>
+                  <a:lumOff val="35000"/>
+                </a:schemeClr>
+              </a:solidFill>
+            </a:endParaRPr>
           </a:p>
           <a:p>
             <a:pPr marL="0" indent="0">
@@ -4115,6 +4127,83 @@
           </a:p>
         </p:txBody>
       </p:sp>
+      <p:pic>
+        <p:nvPicPr>
+          <p:cNvPr id="4" name="Рисунок 3">
+            <a:extLst>
+              <a:ext uri="{FF2B5EF4-FFF2-40B4-BE49-F238E27FC236}">
+                <a16:creationId xmlns:a16="http://schemas.microsoft.com/office/drawing/2014/main" id="{EF908CA3-137C-FE79-8BBA-B8026E2FA8F2}"/>
+              </a:ext>
+            </a:extLst>
+          </p:cNvPr>
+          <p:cNvPicPr>
+            <a:picLocks noChangeAspect="1"/>
+          </p:cNvPicPr>
+          <p:nvPr/>
+        </p:nvPicPr>
+        <p:blipFill>
+          <a:blip r:embed="rId2"/>
+          <a:stretch>
+            <a:fillRect/>
+          </a:stretch>
+        </p:blipFill>
+        <p:spPr>
+          <a:xfrm>
+            <a:off x="220133" y="2004400"/>
+            <a:ext cx="6636026" cy="4172563"/>
+          </a:xfrm>
+          <a:prstGeom prst="rect">
+            <a:avLst/>
+          </a:prstGeom>
+        </p:spPr>
+      </p:pic>
+      <p:pic>
+        <p:nvPicPr>
+          <p:cNvPr id="1026" name="Picture 2" descr="MVC (Model-View-Controller): что это такое и как пользоваться моделью">
+            <a:extLst>
+              <a:ext uri="{FF2B5EF4-FFF2-40B4-BE49-F238E27FC236}">
+                <a16:creationId xmlns:a16="http://schemas.microsoft.com/office/drawing/2014/main" id="{9A8340DF-4733-5074-6454-7E79F799B554}"/>
+              </a:ext>
+            </a:extLst>
+          </p:cNvPr>
+          <p:cNvPicPr>
+            <a:picLocks noChangeAspect="1" noChangeArrowheads="1"/>
+          </p:cNvPicPr>
+          <p:nvPr/>
+        </p:nvPicPr>
+        <p:blipFill>
+          <a:blip r:embed="rId3">
+            <a:extLst>
+              <a:ext uri="{28A0092B-C50C-407E-A947-70E740481C1C}">
+                <a14:useLocalDpi xmlns:a14="http://schemas.microsoft.com/office/drawing/2010/main" val="0"/>
+              </a:ext>
+            </a:extLst>
+          </a:blip>
+          <a:srcRect/>
+          <a:stretch>
+            <a:fillRect/>
+          </a:stretch>
+        </p:blipFill>
+        <p:spPr bwMode="auto">
+          <a:xfrm>
+            <a:off x="7056783" y="2660078"/>
+            <a:ext cx="4915084" cy="2861205"/>
+          </a:xfrm>
+          <a:prstGeom prst="rect">
+            <a:avLst/>
+          </a:prstGeom>
+          <a:noFill/>
+          <a:extLst>
+            <a:ext uri="{909E8E84-426E-40DD-AFC4-6F175D3DCCD1}">
+              <a14:hiddenFill xmlns:a14="http://schemas.microsoft.com/office/drawing/2010/main">
+                <a:solidFill>
+                  <a:srgbClr val="FFFFFF"/>
+                </a:solidFill>
+              </a14:hiddenFill>
+            </a:ext>
+          </a:extLst>
+        </p:spPr>
+      </p:pic>
     </p:spTree>
     <p:extLst>
       <p:ext uri="{BB962C8B-B14F-4D97-AF65-F5344CB8AC3E}">
@@ -4281,6 +4370,32 @@
                 </a:solidFill>
               </a:rPr>
               <a:t>Spring Cache</a:t>
+            </a:r>
+          </a:p>
+          <a:p>
+            <a:r>
+              <a:rPr lang="en-US" i="1" dirty="0">
+                <a:solidFill>
+                  <a:schemeClr val="tx1">
+                    <a:lumMod val="65000"/>
+                    <a:lumOff val="35000"/>
+                  </a:schemeClr>
+                </a:solidFill>
+              </a:rPr>
+              <a:t>Bootstrap</a:t>
+            </a:r>
+          </a:p>
+          <a:p>
+            <a:r>
+              <a:rPr lang="en-US" i="1" dirty="0">
+                <a:solidFill>
+                  <a:schemeClr val="tx1">
+                    <a:lumMod val="65000"/>
+                    <a:lumOff val="35000"/>
+                  </a:schemeClr>
+                </a:solidFill>
+              </a:rPr>
+              <a:t>HTMX</a:t>
             </a:r>
           </a:p>
           <a:p>
